--- a/Project-2 Dijkstra.pptx
+++ b/Project-2 Dijkstra.pptx
@@ -261,6 +261,43 @@
     </p:ext>
   </p:extLst>
 </p:presentation>
+</file>
+
+<file path=ppt/revisionInfo.xml><?xml version="1.0" encoding="utf-8"?>
+<p1510:revInfo xmlns:a="http://schemas.openxmlformats.org/drawingml/2006/main" xmlns:r="http://schemas.openxmlformats.org/officeDocument/2006/relationships" xmlns:p1510="http://schemas.microsoft.com/office/powerpoint/2015/10/main">
+  <p1510:revLst>
+    <p1510:client id="{17A3571B-3C37-4D33-868F-93C82BC1FD20}" v="5" dt="2022-03-04T03:29:57.174"/>
+  </p1510:revLst>
+</p1510:revInfo>
+</file>
+
+<file path=ppt/changesInfos/changesInfo1.xml><?xml version="1.0" encoding="utf-8"?>
+<pc:chgInfo xmlns:a="http://schemas.openxmlformats.org/drawingml/2006/main" xmlns:r="http://schemas.openxmlformats.org/officeDocument/2006/relationships" xmlns:ac="http://schemas.microsoft.com/office/drawing/2013/main/command" xmlns:pc="http://schemas.microsoft.com/office/powerpoint/2013/main/command">
+  <pc:docChgLst>
+    <pc:chgData name="Sahruday Patti" userId="b4613a6fe56ed811" providerId="LiveId" clId="{17A3571B-3C37-4D33-868F-93C82BC1FD20}"/>
+    <pc:docChg chg="undo custSel modSld">
+      <pc:chgData name="Sahruday Patti" userId="b4613a6fe56ed811" providerId="LiveId" clId="{17A3571B-3C37-4D33-868F-93C82BC1FD20}" dt="2022-03-04T03:29:57.174" v="6" actId="20577"/>
+      <pc:docMkLst>
+        <pc:docMk/>
+      </pc:docMkLst>
+      <pc:sldChg chg="modSp mod">
+        <pc:chgData name="Sahruday Patti" userId="b4613a6fe56ed811" providerId="LiveId" clId="{17A3571B-3C37-4D33-868F-93C82BC1FD20}" dt="2022-03-04T03:29:57.174" v="6" actId="20577"/>
+        <pc:sldMkLst>
+          <pc:docMk/>
+          <pc:sldMk cId="2726727918" sldId="916"/>
+        </pc:sldMkLst>
+        <pc:spChg chg="mod">
+          <ac:chgData name="Sahruday Patti" userId="b4613a6fe56ed811" providerId="LiveId" clId="{17A3571B-3C37-4D33-868F-93C82BC1FD20}" dt="2022-03-04T03:29:57.174" v="6" actId="20577"/>
+          <ac:spMkLst>
+            <pc:docMk/>
+            <pc:sldMk cId="2726727918" sldId="916"/>
+            <ac:spMk id="5" creationId="{8628A6D8-040D-48C6-B1A8-AF40F0D58478}"/>
+          </ac:spMkLst>
+        </pc:spChg>
+      </pc:sldChg>
+    </pc:docChg>
+  </pc:docChgLst>
+</pc:chgInfo>
 </file>
 
 <file path=ppt/notesMasters/notesMaster1.xml><?xml version="1.0" encoding="utf-8"?>
@@ -14760,7 +14797,7 @@
             <p:spPr>
               <a:xfrm>
                 <a:off x="767254" y="428468"/>
-                <a:ext cx="10365343" cy="6460102"/>
+                <a:ext cx="10365343" cy="6727098"/>
               </a:xfrm>
               <a:prstGeom prst="rect">
                 <a:avLst/>
@@ -15309,13 +15346,10 @@
                 </a:endParaRPr>
               </a:p>
               <a:p>
-                <a:pPr marL="0" marR="0">
+                <a:pPr>
                   <a:lnSpc>
                     <a:spcPct val="60000"/>
                   </a:lnSpc>
-                  <a:spcBef>
-                    <a:spcPts val="0"/>
-                  </a:spcBef>
                   <a:spcAft>
                     <a:spcPts val="800"/>
                   </a:spcAft>
@@ -15369,6 +15403,120 @@
                   </a:rPr>
                   <a:t>) and (NOT in the obstacle space)</a:t>
                 </a:r>
+                <a:r>
+                  <a:rPr lang="en-US" sz="1800" dirty="0">
+                    <a:latin typeface="Calibri" panose="020F0502020204030204" pitchFamily="34" charset="0"/>
+                    <a:ea typeface="Calibri" panose="020F0502020204030204" pitchFamily="34" charset="0"/>
+                    <a:cs typeface="Arial" panose="020B0604020202020204" pitchFamily="34" charset="0"/>
+                  </a:rPr>
+                  <a:t> </a:t>
+                </a:r>
+              </a:p>
+              <a:p>
+                <a:pPr>
+                  <a:lnSpc>
+                    <a:spcPct val="60000"/>
+                  </a:lnSpc>
+                  <a:spcAft>
+                    <a:spcPts val="800"/>
+                  </a:spcAft>
+                </a:pPr>
+                <a:r>
+                  <a:rPr lang="en-US" sz="1800" dirty="0">
+                    <a:latin typeface="Calibri" panose="020F0502020204030204" pitchFamily="34" charset="0"/>
+                    <a:ea typeface="Calibri" panose="020F0502020204030204" pitchFamily="34" charset="0"/>
+                    <a:cs typeface="Arial" panose="020B0604020202020204" pitchFamily="34" charset="0"/>
+                  </a:rPr>
+                  <a:t>			if (x’ </a:t>
+                </a:r>
+                <a14:m>
+                  <m:oMath xmlns:m="http://schemas.openxmlformats.org/officeDocument/2006/math">
+                    <m:r>
+                      <a:rPr lang="en-US" sz="1800" i="1">
+                        <a:latin typeface="Cambria Math" panose="02040503050406030204" pitchFamily="18" charset="0"/>
+                        <a:ea typeface="Times New Roman" panose="02020603050405020304" pitchFamily="18" charset="0"/>
+                        <a:cs typeface="Arial" panose="020B0604020202020204" pitchFamily="34" charset="0"/>
+                      </a:rPr>
+                      <m:t>∉</m:t>
+                    </m:r>
+                  </m:oMath>
+                </a14:m>
+                <a:r>
+                  <a:rPr lang="en-US" sz="1800" dirty="0">
+                    <a:latin typeface="Calibri" panose="020F0502020204030204" pitchFamily="34" charset="0"/>
+                    <a:ea typeface="Times New Roman" panose="02020603050405020304" pitchFamily="18" charset="0"/>
+                    <a:cs typeface="Arial" panose="020B0604020202020204" pitchFamily="34" charset="0"/>
+                  </a:rPr>
+                  <a:t> </a:t>
+                </a:r>
+                <a:r>
+                  <a:rPr lang="en-US" sz="1800" dirty="0" err="1">
+                    <a:latin typeface="Calibri" panose="020F0502020204030204" pitchFamily="34" charset="0"/>
+                    <a:ea typeface="Calibri" panose="020F0502020204030204" pitchFamily="34" charset="0"/>
+                    <a:cs typeface="Arial" panose="020B0604020202020204" pitchFamily="34" charset="0"/>
+                  </a:rPr>
+                  <a:t>OpenList</a:t>
+                </a:r>
+                <a:r>
+                  <a:rPr lang="en-US" sz="1800" dirty="0">
+                    <a:latin typeface="Calibri" panose="020F0502020204030204" pitchFamily="34" charset="0"/>
+                    <a:ea typeface="Calibri" panose="020F0502020204030204" pitchFamily="34" charset="0"/>
+                    <a:cs typeface="Arial" panose="020B0604020202020204" pitchFamily="34" charset="0"/>
+                  </a:rPr>
+                  <a:t>) or (</a:t>
+                </a:r>
+                <a:r>
+                  <a:rPr lang="en-US" sz="1800" dirty="0" err="1">
+                    <a:latin typeface="Calibri" panose="020F0502020204030204" pitchFamily="34" charset="0"/>
+                    <a:ea typeface="Times New Roman" panose="02020603050405020304" pitchFamily="18" charset="0"/>
+                    <a:cs typeface="Arial" panose="020B0604020202020204" pitchFamily="34" charset="0"/>
+                  </a:rPr>
+                  <a:t>CostToCome</a:t>
+                </a:r>
+                <a:r>
+                  <a:rPr lang="en-US" sz="1800" dirty="0">
+                    <a:latin typeface="Calibri" panose="020F0502020204030204" pitchFamily="34" charset="0"/>
+                    <a:ea typeface="Times New Roman" panose="02020603050405020304" pitchFamily="18" charset="0"/>
+                    <a:cs typeface="Arial" panose="020B0604020202020204" pitchFamily="34" charset="0"/>
+                  </a:rPr>
+                  <a:t>(x’)=</a:t>
+                </a:r>
+                <a14:m>
+                  <m:oMath xmlns:m="http://schemas.openxmlformats.org/officeDocument/2006/math">
+                    <m:r>
+                      <a:rPr lang="en-US" sz="1800" i="1">
+                        <a:latin typeface="Cambria Math" panose="02040503050406030204" pitchFamily="18" charset="0"/>
+                        <a:ea typeface="Times New Roman" panose="02020603050405020304" pitchFamily="18" charset="0"/>
+                        <a:cs typeface="Arial" panose="020B0604020202020204" pitchFamily="34" charset="0"/>
+                      </a:rPr>
+                      <m:t>∞)</m:t>
+                    </m:r>
+                  </m:oMath>
+                </a14:m>
+                <a:endParaRPr lang="en-US" sz="1800" dirty="0">
+                  <a:latin typeface="Calibri" panose="020F0502020204030204" pitchFamily="34" charset="0"/>
+                  <a:ea typeface="Calibri" panose="020F0502020204030204" pitchFamily="34" charset="0"/>
+                  <a:cs typeface="Arial" panose="020B0604020202020204" pitchFamily="34" charset="0"/>
+                </a:endParaRPr>
+              </a:p>
+              <a:p>
+                <a:pPr marL="0" marR="0">
+                  <a:lnSpc>
+                    <a:spcPct val="60000"/>
+                  </a:lnSpc>
+                  <a:spcBef>
+                    <a:spcPts val="0"/>
+                  </a:spcBef>
+                  <a:spcAft>
+                    <a:spcPts val="800"/>
+                  </a:spcAft>
+                </a:pPr>
+                <a:endParaRPr lang="en-US" sz="1800" dirty="0">
+                  <a:effectLst/>
+                  <a:latin typeface="Calibri" panose="020F0502020204030204" pitchFamily="34" charset="0"/>
+                  <a:ea typeface="Calibri" panose="020F0502020204030204" pitchFamily="34" charset="0"/>
+                  <a:cs typeface="Arial" panose="020B0604020202020204" pitchFamily="34" charset="0"/>
+                </a:endParaRPr>
               </a:p>
               <a:p>
                 <a:pPr marL="0" marR="0">
@@ -15389,98 +15537,8 @@
                     <a:ea typeface="Calibri" panose="020F0502020204030204" pitchFamily="34" charset="0"/>
                     <a:cs typeface="Arial" panose="020B0604020202020204" pitchFamily="34" charset="0"/>
                   </a:rPr>
-                  <a:t>			if (x’ </a:t>
+                  <a:t>			</a:t>
                 </a:r>
-                <a14:m>
-                  <m:oMath xmlns:m="http://schemas.openxmlformats.org/officeDocument/2006/math">
-                    <m:r>
-                      <a:rPr lang="en-US" sz="1800" i="1">
-                        <a:effectLst/>
-                        <a:latin typeface="Cambria Math" panose="02040503050406030204" pitchFamily="18" charset="0"/>
-                        <a:ea typeface="Times New Roman" panose="02020603050405020304" pitchFamily="18" charset="0"/>
-                        <a:cs typeface="Arial" panose="020B0604020202020204" pitchFamily="34" charset="0"/>
-                      </a:rPr>
-                      <m:t>∉</m:t>
-                    </m:r>
-                  </m:oMath>
-                </a14:m>
-                <a:r>
-                  <a:rPr lang="en-US" sz="1800" dirty="0">
-                    <a:effectLst/>
-                    <a:latin typeface="Calibri" panose="020F0502020204030204" pitchFamily="34" charset="0"/>
-                    <a:ea typeface="Times New Roman" panose="02020603050405020304" pitchFamily="18" charset="0"/>
-                    <a:cs typeface="Arial" panose="020B0604020202020204" pitchFamily="34" charset="0"/>
-                  </a:rPr>
-                  <a:t> </a:t>
-                </a:r>
-                <a:r>
-                  <a:rPr lang="en-US" sz="1800" dirty="0" err="1">
-                    <a:effectLst/>
-                    <a:latin typeface="Calibri" panose="020F0502020204030204" pitchFamily="34" charset="0"/>
-                    <a:ea typeface="Calibri" panose="020F0502020204030204" pitchFamily="34" charset="0"/>
-                    <a:cs typeface="Arial" panose="020B0604020202020204" pitchFamily="34" charset="0"/>
-                  </a:rPr>
-                  <a:t>OpenList</a:t>
-                </a:r>
-                <a:r>
-                  <a:rPr lang="en-US" sz="1800" dirty="0">
-                    <a:effectLst/>
-                    <a:latin typeface="Calibri" panose="020F0502020204030204" pitchFamily="34" charset="0"/>
-                    <a:ea typeface="Calibri" panose="020F0502020204030204" pitchFamily="34" charset="0"/>
-                    <a:cs typeface="Arial" panose="020B0604020202020204" pitchFamily="34" charset="0"/>
-                  </a:rPr>
-                  <a:t>) or (</a:t>
-                </a:r>
-                <a:r>
-                  <a:rPr lang="en-US" sz="1800" dirty="0" err="1">
-                    <a:effectLst/>
-                    <a:latin typeface="Calibri" panose="020F0502020204030204" pitchFamily="34" charset="0"/>
-                    <a:ea typeface="Times New Roman" panose="02020603050405020304" pitchFamily="18" charset="0"/>
-                    <a:cs typeface="Arial" panose="020B0604020202020204" pitchFamily="34" charset="0"/>
-                  </a:rPr>
-                  <a:t>CostToCome</a:t>
-                </a:r>
-                <a:r>
-                  <a:rPr lang="en-US" sz="1800" dirty="0">
-                    <a:effectLst/>
-                    <a:latin typeface="Calibri" panose="020F0502020204030204" pitchFamily="34" charset="0"/>
-                    <a:ea typeface="Times New Roman" panose="02020603050405020304" pitchFamily="18" charset="0"/>
-                    <a:cs typeface="Arial" panose="020B0604020202020204" pitchFamily="34" charset="0"/>
-                  </a:rPr>
-                  <a:t>(x’)=</a:t>
-                </a:r>
-                <a14:m>
-                  <m:oMath xmlns:m="http://schemas.openxmlformats.org/officeDocument/2006/math">
-                    <m:r>
-                      <a:rPr lang="en-US" sz="1800" i="1">
-                        <a:effectLst/>
-                        <a:latin typeface="Cambria Math" panose="02040503050406030204" pitchFamily="18" charset="0"/>
-                        <a:ea typeface="Times New Roman" panose="02020603050405020304" pitchFamily="18" charset="0"/>
-                        <a:cs typeface="Arial" panose="020B0604020202020204" pitchFamily="34" charset="0"/>
-                      </a:rPr>
-                      <m:t>∞)</m:t>
-                    </m:r>
-                  </m:oMath>
-                </a14:m>
-                <a:endParaRPr lang="en-US" sz="1800" dirty="0">
-                  <a:effectLst/>
-                  <a:latin typeface="Calibri" panose="020F0502020204030204" pitchFamily="34" charset="0"/>
-                  <a:ea typeface="Calibri" panose="020F0502020204030204" pitchFamily="34" charset="0"/>
-                  <a:cs typeface="Arial" panose="020B0604020202020204" pitchFamily="34" charset="0"/>
-                </a:endParaRPr>
-              </a:p>
-              <a:p>
-                <a:pPr marL="0" marR="0">
-                  <a:lnSpc>
-                    <a:spcPct val="60000"/>
-                  </a:lnSpc>
-                  <a:spcBef>
-                    <a:spcPts val="0"/>
-                  </a:spcBef>
-                  <a:spcAft>
-                    <a:spcPts val="800"/>
-                  </a:spcAft>
-                </a:pPr>
                 <a:r>
                   <a:rPr lang="en-US" sz="1800" dirty="0">
                     <a:effectLst/>
@@ -16094,7 +16152,7 @@
             <p:spPr>
               <a:xfrm>
                 <a:off x="767254" y="428468"/>
-                <a:ext cx="10365343" cy="6460102"/>
+                <a:ext cx="10365343" cy="6727098"/>
               </a:xfrm>
               <a:prstGeom prst="rect">
                 <a:avLst/>
@@ -16102,7 +16160,7 @@
               <a:blipFill>
                 <a:blip r:embed="rId2"/>
                 <a:stretch>
-                  <a:fillRect l="-529" t="-1887" b="-566"/>
+                  <a:fillRect l="-529" t="-1812" b="-453"/>
                 </a:stretch>
               </a:blipFill>
             </p:spPr>
